--- a/RessourcesAnnexes/Ketchup.pptx
+++ b/RessourcesAnnexes/Ketchup.pptx
@@ -222,7 +222,7 @@
           <a:p>
             <a:fld id="{495FBB65-3CF8-4396-B531-2186A115FCBE}" type="datetimeFigureOut">
               <a:rPr lang="fr-FR" smtClean="0"/>
-              <a:t>22/06/2023</a:t>
+              <a:t>13/07/2023</a:t>
             </a:fld>
             <a:endParaRPr lang="fr-FR"/>
           </a:p>
@@ -1560,7 +1560,7 @@
           <a:p>
             <a:fld id="{01F1A230-F3DD-4E64-8206-30C60EF91C56}" type="datetimeFigureOut">
               <a:rPr lang="fr-FR" smtClean="0"/>
-              <a:t>22/06/2023</a:t>
+              <a:t>13/07/2023</a:t>
             </a:fld>
             <a:endParaRPr lang="fr-FR"/>
           </a:p>
@@ -1758,7 +1758,7 @@
           <a:p>
             <a:fld id="{01F1A230-F3DD-4E64-8206-30C60EF91C56}" type="datetimeFigureOut">
               <a:rPr lang="fr-FR" smtClean="0"/>
-              <a:t>22/06/2023</a:t>
+              <a:t>13/07/2023</a:t>
             </a:fld>
             <a:endParaRPr lang="fr-FR"/>
           </a:p>
@@ -1966,7 +1966,7 @@
           <a:p>
             <a:fld id="{01F1A230-F3DD-4E64-8206-30C60EF91C56}" type="datetimeFigureOut">
               <a:rPr lang="fr-FR" smtClean="0"/>
-              <a:t>22/06/2023</a:t>
+              <a:t>13/07/2023</a:t>
             </a:fld>
             <a:endParaRPr lang="fr-FR"/>
           </a:p>
@@ -2164,7 +2164,7 @@
           <a:p>
             <a:fld id="{01F1A230-F3DD-4E64-8206-30C60EF91C56}" type="datetimeFigureOut">
               <a:rPr lang="fr-FR" smtClean="0"/>
-              <a:t>22/06/2023</a:t>
+              <a:t>13/07/2023</a:t>
             </a:fld>
             <a:endParaRPr lang="fr-FR"/>
           </a:p>
@@ -2439,7 +2439,7 @@
           <a:p>
             <a:fld id="{01F1A230-F3DD-4E64-8206-30C60EF91C56}" type="datetimeFigureOut">
               <a:rPr lang="fr-FR" smtClean="0"/>
-              <a:t>22/06/2023</a:t>
+              <a:t>13/07/2023</a:t>
             </a:fld>
             <a:endParaRPr lang="fr-FR"/>
           </a:p>
@@ -2704,7 +2704,7 @@
           <a:p>
             <a:fld id="{01F1A230-F3DD-4E64-8206-30C60EF91C56}" type="datetimeFigureOut">
               <a:rPr lang="fr-FR" smtClean="0"/>
-              <a:t>22/06/2023</a:t>
+              <a:t>13/07/2023</a:t>
             </a:fld>
             <a:endParaRPr lang="fr-FR"/>
           </a:p>
@@ -3116,7 +3116,7 @@
           <a:p>
             <a:fld id="{01F1A230-F3DD-4E64-8206-30C60EF91C56}" type="datetimeFigureOut">
               <a:rPr lang="fr-FR" smtClean="0"/>
-              <a:t>22/06/2023</a:t>
+              <a:t>13/07/2023</a:t>
             </a:fld>
             <a:endParaRPr lang="fr-FR"/>
           </a:p>
@@ -3257,7 +3257,7 @@
           <a:p>
             <a:fld id="{01F1A230-F3DD-4E64-8206-30C60EF91C56}" type="datetimeFigureOut">
               <a:rPr lang="fr-FR" smtClean="0"/>
-              <a:t>22/06/2023</a:t>
+              <a:t>13/07/2023</a:t>
             </a:fld>
             <a:endParaRPr lang="fr-FR"/>
           </a:p>
@@ -3370,7 +3370,7 @@
           <a:p>
             <a:fld id="{01F1A230-F3DD-4E64-8206-30C60EF91C56}" type="datetimeFigureOut">
               <a:rPr lang="fr-FR" smtClean="0"/>
-              <a:t>22/06/2023</a:t>
+              <a:t>13/07/2023</a:t>
             </a:fld>
             <a:endParaRPr lang="fr-FR"/>
           </a:p>
@@ -3681,7 +3681,7 @@
           <a:p>
             <a:fld id="{01F1A230-F3DD-4E64-8206-30C60EF91C56}" type="datetimeFigureOut">
               <a:rPr lang="fr-FR" smtClean="0"/>
-              <a:t>22/06/2023</a:t>
+              <a:t>13/07/2023</a:t>
             </a:fld>
             <a:endParaRPr lang="fr-FR"/>
           </a:p>
@@ -3969,7 +3969,7 @@
           <a:p>
             <a:fld id="{01F1A230-F3DD-4E64-8206-30C60EF91C56}" type="datetimeFigureOut">
               <a:rPr lang="fr-FR" smtClean="0"/>
-              <a:t>22/06/2023</a:t>
+              <a:t>13/07/2023</a:t>
             </a:fld>
             <a:endParaRPr lang="fr-FR"/>
           </a:p>
@@ -4210,7 +4210,7 @@
           <a:p>
             <a:fld id="{01F1A230-F3DD-4E64-8206-30C60EF91C56}" type="datetimeFigureOut">
               <a:rPr lang="fr-FR" smtClean="0"/>
-              <a:t>22/06/2023</a:t>
+              <a:t>13/07/2023</a:t>
             </a:fld>
             <a:endParaRPr lang="fr-FR"/>
           </a:p>
